--- a/data/_work-in-progress/_share/square-previews.pptx
+++ b/data/_work-in-progress/_share/square-previews.pptx
@@ -259,7 +259,7 @@
           <a:p>
             <a:fld id="{F8790B07-F0DA-42FB-9B41-9B73EF6DB6A9}" type="datetimeFigureOut">
               <a:rPr lang="en-US" smtClean="0"/>
-              <a:t>11/19/2024</a:t>
+              <a:t>1/20/2025</a:t>
             </a:fld>
             <a:endParaRPr lang="en-US"/>
           </a:p>
@@ -457,7 +457,7 @@
           <a:p>
             <a:fld id="{F8790B07-F0DA-42FB-9B41-9B73EF6DB6A9}" type="datetimeFigureOut">
               <a:rPr lang="en-US" smtClean="0"/>
-              <a:t>11/19/2024</a:t>
+              <a:t>1/20/2025</a:t>
             </a:fld>
             <a:endParaRPr lang="en-US"/>
           </a:p>
@@ -665,7 +665,7 @@
           <a:p>
             <a:fld id="{F8790B07-F0DA-42FB-9B41-9B73EF6DB6A9}" type="datetimeFigureOut">
               <a:rPr lang="en-US" smtClean="0"/>
-              <a:t>11/19/2024</a:t>
+              <a:t>1/20/2025</a:t>
             </a:fld>
             <a:endParaRPr lang="en-US"/>
           </a:p>
@@ -863,7 +863,7 @@
           <a:p>
             <a:fld id="{F8790B07-F0DA-42FB-9B41-9B73EF6DB6A9}" type="datetimeFigureOut">
               <a:rPr lang="en-US" smtClean="0"/>
-              <a:t>11/19/2024</a:t>
+              <a:t>1/20/2025</a:t>
             </a:fld>
             <a:endParaRPr lang="en-US"/>
           </a:p>
@@ -1138,7 +1138,7 @@
           <a:p>
             <a:fld id="{F8790B07-F0DA-42FB-9B41-9B73EF6DB6A9}" type="datetimeFigureOut">
               <a:rPr lang="en-US" smtClean="0"/>
-              <a:t>11/19/2024</a:t>
+              <a:t>1/20/2025</a:t>
             </a:fld>
             <a:endParaRPr lang="en-US"/>
           </a:p>
@@ -1403,7 +1403,7 @@
           <a:p>
             <a:fld id="{F8790B07-F0DA-42FB-9B41-9B73EF6DB6A9}" type="datetimeFigureOut">
               <a:rPr lang="en-US" smtClean="0"/>
-              <a:t>11/19/2024</a:t>
+              <a:t>1/20/2025</a:t>
             </a:fld>
             <a:endParaRPr lang="en-US"/>
           </a:p>
@@ -1815,7 +1815,7 @@
           <a:p>
             <a:fld id="{F8790B07-F0DA-42FB-9B41-9B73EF6DB6A9}" type="datetimeFigureOut">
               <a:rPr lang="en-US" smtClean="0"/>
-              <a:t>11/19/2024</a:t>
+              <a:t>1/20/2025</a:t>
             </a:fld>
             <a:endParaRPr lang="en-US"/>
           </a:p>
@@ -1956,7 +1956,7 @@
           <a:p>
             <a:fld id="{F8790B07-F0DA-42FB-9B41-9B73EF6DB6A9}" type="datetimeFigureOut">
               <a:rPr lang="en-US" smtClean="0"/>
-              <a:t>11/19/2024</a:t>
+              <a:t>1/20/2025</a:t>
             </a:fld>
             <a:endParaRPr lang="en-US"/>
           </a:p>
@@ -2069,7 +2069,7 @@
           <a:p>
             <a:fld id="{F8790B07-F0DA-42FB-9B41-9B73EF6DB6A9}" type="datetimeFigureOut">
               <a:rPr lang="en-US" smtClean="0"/>
-              <a:t>11/19/2024</a:t>
+              <a:t>1/20/2025</a:t>
             </a:fld>
             <a:endParaRPr lang="en-US"/>
           </a:p>
@@ -2380,7 +2380,7 @@
           <a:p>
             <a:fld id="{F8790B07-F0DA-42FB-9B41-9B73EF6DB6A9}" type="datetimeFigureOut">
               <a:rPr lang="en-US" smtClean="0"/>
-              <a:t>11/19/2024</a:t>
+              <a:t>1/20/2025</a:t>
             </a:fld>
             <a:endParaRPr lang="en-US"/>
           </a:p>
@@ -2668,7 +2668,7 @@
           <a:p>
             <a:fld id="{F8790B07-F0DA-42FB-9B41-9B73EF6DB6A9}" type="datetimeFigureOut">
               <a:rPr lang="en-US" smtClean="0"/>
-              <a:t>11/19/2024</a:t>
+              <a:t>1/20/2025</a:t>
             </a:fld>
             <a:endParaRPr lang="en-US"/>
           </a:p>
@@ -2909,7 +2909,7 @@
           <a:p>
             <a:fld id="{F8790B07-F0DA-42FB-9B41-9B73EF6DB6A9}" type="datetimeFigureOut">
               <a:rPr lang="en-US" smtClean="0"/>
-              <a:t>11/19/2024</a:t>
+              <a:t>1/20/2025</a:t>
             </a:fld>
             <a:endParaRPr lang="en-US"/>
           </a:p>
@@ -3415,8 +3415,8 @@
         </p:blipFill>
         <p:spPr>
           <a:xfrm>
-            <a:off x="1007133" y="-18287"/>
-            <a:ext cx="4862019" cy="6876285"/>
+            <a:off x="1007371" y="-17950"/>
+            <a:ext cx="4861542" cy="6875610"/>
           </a:xfrm>
           <a:prstGeom prst="rect">
             <a:avLst/>

--- a/data/_work-in-progress/_share/square-previews.pptx
+++ b/data/_work-in-progress/_share/square-previews.pptx
@@ -6,6 +6,7 @@
   </p:sldMasterIdLst>
   <p:sldIdLst>
     <p:sldId id="256" r:id="rId2"/>
+    <p:sldId id="257" r:id="rId3"/>
   </p:sldIdLst>
   <p:sldSz cx="12192000" cy="6858000"/>
   <p:notesSz cx="6858000" cy="9144000"/>
@@ -259,7 +260,7 @@
           <a:p>
             <a:fld id="{F8790B07-F0DA-42FB-9B41-9B73EF6DB6A9}" type="datetimeFigureOut">
               <a:rPr lang="en-US" smtClean="0"/>
-              <a:t>1/20/2025</a:t>
+              <a:t>3/25/2025</a:t>
             </a:fld>
             <a:endParaRPr lang="en-US"/>
           </a:p>
@@ -457,7 +458,7 @@
           <a:p>
             <a:fld id="{F8790B07-F0DA-42FB-9B41-9B73EF6DB6A9}" type="datetimeFigureOut">
               <a:rPr lang="en-US" smtClean="0"/>
-              <a:t>1/20/2025</a:t>
+              <a:t>3/25/2025</a:t>
             </a:fld>
             <a:endParaRPr lang="en-US"/>
           </a:p>
@@ -665,7 +666,7 @@
           <a:p>
             <a:fld id="{F8790B07-F0DA-42FB-9B41-9B73EF6DB6A9}" type="datetimeFigureOut">
               <a:rPr lang="en-US" smtClean="0"/>
-              <a:t>1/20/2025</a:t>
+              <a:t>3/25/2025</a:t>
             </a:fld>
             <a:endParaRPr lang="en-US"/>
           </a:p>
@@ -863,7 +864,7 @@
           <a:p>
             <a:fld id="{F8790B07-F0DA-42FB-9B41-9B73EF6DB6A9}" type="datetimeFigureOut">
               <a:rPr lang="en-US" smtClean="0"/>
-              <a:t>1/20/2025</a:t>
+              <a:t>3/25/2025</a:t>
             </a:fld>
             <a:endParaRPr lang="en-US"/>
           </a:p>
@@ -1138,7 +1139,7 @@
           <a:p>
             <a:fld id="{F8790B07-F0DA-42FB-9B41-9B73EF6DB6A9}" type="datetimeFigureOut">
               <a:rPr lang="en-US" smtClean="0"/>
-              <a:t>1/20/2025</a:t>
+              <a:t>3/25/2025</a:t>
             </a:fld>
             <a:endParaRPr lang="en-US"/>
           </a:p>
@@ -1403,7 +1404,7 @@
           <a:p>
             <a:fld id="{F8790B07-F0DA-42FB-9B41-9B73EF6DB6A9}" type="datetimeFigureOut">
               <a:rPr lang="en-US" smtClean="0"/>
-              <a:t>1/20/2025</a:t>
+              <a:t>3/25/2025</a:t>
             </a:fld>
             <a:endParaRPr lang="en-US"/>
           </a:p>
@@ -1815,7 +1816,7 @@
           <a:p>
             <a:fld id="{F8790B07-F0DA-42FB-9B41-9B73EF6DB6A9}" type="datetimeFigureOut">
               <a:rPr lang="en-US" smtClean="0"/>
-              <a:t>1/20/2025</a:t>
+              <a:t>3/25/2025</a:t>
             </a:fld>
             <a:endParaRPr lang="en-US"/>
           </a:p>
@@ -1956,7 +1957,7 @@
           <a:p>
             <a:fld id="{F8790B07-F0DA-42FB-9B41-9B73EF6DB6A9}" type="datetimeFigureOut">
               <a:rPr lang="en-US" smtClean="0"/>
-              <a:t>1/20/2025</a:t>
+              <a:t>3/25/2025</a:t>
             </a:fld>
             <a:endParaRPr lang="en-US"/>
           </a:p>
@@ -2069,7 +2070,7 @@
           <a:p>
             <a:fld id="{F8790B07-F0DA-42FB-9B41-9B73EF6DB6A9}" type="datetimeFigureOut">
               <a:rPr lang="en-US" smtClean="0"/>
-              <a:t>1/20/2025</a:t>
+              <a:t>3/25/2025</a:t>
             </a:fld>
             <a:endParaRPr lang="en-US"/>
           </a:p>
@@ -2380,7 +2381,7 @@
           <a:p>
             <a:fld id="{F8790B07-F0DA-42FB-9B41-9B73EF6DB6A9}" type="datetimeFigureOut">
               <a:rPr lang="en-US" smtClean="0"/>
-              <a:t>1/20/2025</a:t>
+              <a:t>3/25/2025</a:t>
             </a:fld>
             <a:endParaRPr lang="en-US"/>
           </a:p>
@@ -2668,7 +2669,7 @@
           <a:p>
             <a:fld id="{F8790B07-F0DA-42FB-9B41-9B73EF6DB6A9}" type="datetimeFigureOut">
               <a:rPr lang="en-US" smtClean="0"/>
-              <a:t>1/20/2025</a:t>
+              <a:t>3/25/2025</a:t>
             </a:fld>
             <a:endParaRPr lang="en-US"/>
           </a:p>
@@ -2909,7 +2910,7 @@
           <a:p>
             <a:fld id="{F8790B07-F0DA-42FB-9B41-9B73EF6DB6A9}" type="datetimeFigureOut">
               <a:rPr lang="en-US" smtClean="0"/>
-              <a:t>1/20/2025</a:t>
+              <a:t>3/25/2025</a:t>
             </a:fld>
             <a:endParaRPr lang="en-US"/>
           </a:p>
@@ -3415,8 +3416,8 @@
         </p:blipFill>
         <p:spPr>
           <a:xfrm>
-            <a:off x="1007371" y="-17950"/>
-            <a:ext cx="4861542" cy="6875610"/>
+            <a:off x="1007371" y="-17949"/>
+            <a:ext cx="4861540" cy="6875607"/>
           </a:xfrm>
           <a:prstGeom prst="rect">
             <a:avLst/>
@@ -3428,6 +3429,143 @@
     <p:extLst>
       <p:ext uri="{BB962C8B-B14F-4D97-AF65-F5344CB8AC3E}">
         <p14:creationId xmlns:p14="http://schemas.microsoft.com/office/powerpoint/2010/main" val="70165165"/>
+      </p:ext>
+    </p:extLst>
+  </p:cSld>
+  <p:clrMapOvr>
+    <a:masterClrMapping/>
+  </p:clrMapOvr>
+</p:sld>
+</file>
+
+<file path=ppt/slides/slide2.xml><?xml version="1.0" encoding="utf-8"?>
+<p:sld xmlns:a="http://schemas.openxmlformats.org/drawingml/2006/main" xmlns:r="http://schemas.openxmlformats.org/officeDocument/2006/relationships" xmlns:p="http://schemas.openxmlformats.org/presentationml/2006/main">
+  <p:cSld>
+    <p:bg>
+      <p:bgPr>
+        <a:solidFill>
+          <a:schemeClr val="bg2">
+            <a:lumMod val="50000"/>
+          </a:schemeClr>
+        </a:solidFill>
+        <a:effectLst/>
+      </p:bgPr>
+    </p:bg>
+    <p:spTree>
+      <p:nvGrpSpPr>
+        <p:cNvPr id="1" name="">
+          <a:extLst>
+            <a:ext uri="{FF2B5EF4-FFF2-40B4-BE49-F238E27FC236}">
+              <a16:creationId xmlns:a16="http://schemas.microsoft.com/office/drawing/2014/main" id="{64114D34-E2E6-6005-4B3F-7EFE1BFD07E2}"/>
+            </a:ext>
+          </a:extLst>
+        </p:cNvPr>
+        <p:cNvGrpSpPr/>
+        <p:nvPr/>
+      </p:nvGrpSpPr>
+      <p:grpSpPr>
+        <a:xfrm>
+          <a:off x="0" y="0"/>
+          <a:ext cx="0" cy="0"/>
+          <a:chOff x="0" y="0"/>
+          <a:chExt cx="0" cy="0"/>
+        </a:xfrm>
+      </p:grpSpPr>
+      <p:sp>
+        <p:nvSpPr>
+          <p:cNvPr id="4" name="Rectangle 3">
+            <a:extLst>
+              <a:ext uri="{FF2B5EF4-FFF2-40B4-BE49-F238E27FC236}">
+                <a16:creationId xmlns:a16="http://schemas.microsoft.com/office/drawing/2014/main" id="{76E9B716-974D-9257-D690-DF9974ACE344}"/>
+              </a:ext>
+            </a:extLst>
+          </p:cNvPr>
+          <p:cNvSpPr/>
+          <p:nvPr/>
+        </p:nvSpPr>
+        <p:spPr>
+          <a:xfrm>
+            <a:off x="0" y="-18288"/>
+            <a:ext cx="6876288" cy="6876288"/>
+          </a:xfrm>
+          <a:prstGeom prst="rect">
+            <a:avLst/>
+          </a:prstGeom>
+          <a:solidFill>
+            <a:schemeClr val="tx1">
+              <a:lumMod val="95000"/>
+              <a:lumOff val="5000"/>
+            </a:schemeClr>
+          </a:solidFill>
+          <a:ln>
+            <a:noFill/>
+          </a:ln>
+        </p:spPr>
+        <p:style>
+          <a:lnRef idx="2">
+            <a:schemeClr val="dk1">
+              <a:shade val="15000"/>
+            </a:schemeClr>
+          </a:lnRef>
+          <a:fillRef idx="1">
+            <a:schemeClr val="dk1"/>
+          </a:fillRef>
+          <a:effectRef idx="0">
+            <a:schemeClr val="dk1"/>
+          </a:effectRef>
+          <a:fontRef idx="minor">
+            <a:schemeClr val="lt1"/>
+          </a:fontRef>
+        </p:style>
+        <p:txBody>
+          <a:bodyPr rtlCol="0" anchor="ctr"/>
+          <a:lstStyle/>
+          <a:p>
+            <a:pPr algn="ctr"/>
+            <a:endParaRPr lang="en-US" dirty="0"/>
+          </a:p>
+        </p:txBody>
+      </p:sp>
+      <p:pic>
+        <p:nvPicPr>
+          <p:cNvPr id="6" name="Picture 5">
+            <a:extLst>
+              <a:ext uri="{FF2B5EF4-FFF2-40B4-BE49-F238E27FC236}">
+                <a16:creationId xmlns:a16="http://schemas.microsoft.com/office/drawing/2014/main" id="{DD65550F-CB99-7E8F-AEE2-63C7ABF1891A}"/>
+              </a:ext>
+            </a:extLst>
+          </p:cNvPr>
+          <p:cNvPicPr>
+            <a:picLocks noChangeAspect="1"/>
+          </p:cNvPicPr>
+          <p:nvPr/>
+        </p:nvPicPr>
+        <p:blipFill>
+          <a:blip r:embed="rId2">
+            <a:extLst>
+              <a:ext uri="{28A0092B-C50C-407E-A947-70E740481C1C}">
+                <a14:useLocalDpi xmlns:a14="http://schemas.microsoft.com/office/drawing/2010/main" val="0"/>
+              </a:ext>
+            </a:extLst>
+          </a:blip>
+          <a:srcRect/>
+          <a:stretch/>
+        </p:blipFill>
+        <p:spPr>
+          <a:xfrm>
+            <a:off x="1007371" y="-17950"/>
+            <a:ext cx="4861541" cy="6875609"/>
+          </a:xfrm>
+          <a:prstGeom prst="rect">
+            <a:avLst/>
+          </a:prstGeom>
+          <a:effectLst/>
+        </p:spPr>
+      </p:pic>
+    </p:spTree>
+    <p:extLst>
+      <p:ext uri="{BB962C8B-B14F-4D97-AF65-F5344CB8AC3E}">
+        <p14:creationId xmlns:p14="http://schemas.microsoft.com/office/powerpoint/2010/main" val="3670231390"/>
       </p:ext>
     </p:extLst>
   </p:cSld>
